--- a/02.Consensus Algorithms/02.Blockchain-Consensus Algorithms-Presentation.pptx
+++ b/02.Consensus Algorithms/02.Blockchain-Consensus Algorithms-Presentation.pptx
@@ -298,7 +298,7 @@
           <a:p>
             <a:fld id="{63A1C593-65D0-4073-BCC9-577B9352EA97}" type="datetimeFigureOut">
               <a:rPr lang="en-US" smtClean="0"/>
-              <a:t>7/18/2019</a:t>
+              <a:t>7/21/2019</a:t>
             </a:fld>
             <a:endParaRPr lang="en-US"/>
           </a:p>
@@ -468,7 +468,7 @@
           <a:p>
             <a:fld id="{63A1C593-65D0-4073-BCC9-577B9352EA97}" type="datetimeFigureOut">
               <a:rPr lang="en-US" smtClean="0"/>
-              <a:t>7/18/2019</a:t>
+              <a:t>7/21/2019</a:t>
             </a:fld>
             <a:endParaRPr lang="en-US"/>
           </a:p>
@@ -648,7 +648,7 @@
           <a:p>
             <a:fld id="{63A1C593-65D0-4073-BCC9-577B9352EA97}" type="datetimeFigureOut">
               <a:rPr lang="en-US" smtClean="0"/>
-              <a:t>7/18/2019</a:t>
+              <a:t>7/21/2019</a:t>
             </a:fld>
             <a:endParaRPr lang="en-US"/>
           </a:p>
@@ -818,7 +818,7 @@
           <a:p>
             <a:fld id="{63A1C593-65D0-4073-BCC9-577B9352EA97}" type="datetimeFigureOut">
               <a:rPr lang="en-US" smtClean="0"/>
-              <a:t>7/18/2019</a:t>
+              <a:t>7/21/2019</a:t>
             </a:fld>
             <a:endParaRPr lang="en-US"/>
           </a:p>
@@ -1064,7 +1064,7 @@
           <a:p>
             <a:fld id="{63A1C593-65D0-4073-BCC9-577B9352EA97}" type="datetimeFigureOut">
               <a:rPr lang="en-US" smtClean="0"/>
-              <a:t>7/18/2019</a:t>
+              <a:t>7/21/2019</a:t>
             </a:fld>
             <a:endParaRPr lang="en-US"/>
           </a:p>
@@ -1296,7 +1296,7 @@
           <a:p>
             <a:fld id="{63A1C593-65D0-4073-BCC9-577B9352EA97}" type="datetimeFigureOut">
               <a:rPr lang="en-US" smtClean="0"/>
-              <a:t>7/18/2019</a:t>
+              <a:t>7/21/2019</a:t>
             </a:fld>
             <a:endParaRPr lang="en-US"/>
           </a:p>
@@ -1663,7 +1663,7 @@
           <a:p>
             <a:fld id="{63A1C593-65D0-4073-BCC9-577B9352EA97}" type="datetimeFigureOut">
               <a:rPr lang="en-US" smtClean="0"/>
-              <a:t>7/18/2019</a:t>
+              <a:t>7/21/2019</a:t>
             </a:fld>
             <a:endParaRPr lang="en-US"/>
           </a:p>
@@ -1781,7 +1781,7 @@
           <a:p>
             <a:fld id="{63A1C593-65D0-4073-BCC9-577B9352EA97}" type="datetimeFigureOut">
               <a:rPr lang="en-US" smtClean="0"/>
-              <a:t>7/18/2019</a:t>
+              <a:t>7/21/2019</a:t>
             </a:fld>
             <a:endParaRPr lang="en-US"/>
           </a:p>
@@ -1876,7 +1876,7 @@
           <a:p>
             <a:fld id="{63A1C593-65D0-4073-BCC9-577B9352EA97}" type="datetimeFigureOut">
               <a:rPr lang="en-US" smtClean="0"/>
-              <a:t>7/18/2019</a:t>
+              <a:t>7/21/2019</a:t>
             </a:fld>
             <a:endParaRPr lang="en-US"/>
           </a:p>
@@ -2153,7 +2153,7 @@
           <a:p>
             <a:fld id="{63A1C593-65D0-4073-BCC9-577B9352EA97}" type="datetimeFigureOut">
               <a:rPr lang="en-US" smtClean="0"/>
-              <a:t>7/18/2019</a:t>
+              <a:t>7/21/2019</a:t>
             </a:fld>
             <a:endParaRPr lang="en-US"/>
           </a:p>
@@ -2406,7 +2406,7 @@
           <a:p>
             <a:fld id="{63A1C593-65D0-4073-BCC9-577B9352EA97}" type="datetimeFigureOut">
               <a:rPr lang="en-US" smtClean="0"/>
-              <a:t>7/18/2019</a:t>
+              <a:t>7/21/2019</a:t>
             </a:fld>
             <a:endParaRPr lang="en-US"/>
           </a:p>
@@ -2619,7 +2619,7 @@
           <a:p>
             <a:fld id="{63A1C593-65D0-4073-BCC9-577B9352EA97}" type="datetimeFigureOut">
               <a:rPr lang="en-US" smtClean="0"/>
-              <a:t>7/18/2019</a:t>
+              <a:t>7/21/2019</a:t>
             </a:fld>
             <a:endParaRPr lang="en-US"/>
           </a:p>
@@ -4471,17 +4471,7 @@
                   </a:schemeClr>
                 </a:solidFill>
               </a:rPr>
-              <a:t>Consensus </a:t>
-            </a:r>
-            <a:r>
-              <a:rPr lang="en-GB" b="1" dirty="0" smtClean="0">
-                <a:solidFill>
-                  <a:schemeClr val="accent1">
-                    <a:lumMod val="50000"/>
-                  </a:schemeClr>
-                </a:solidFill>
-              </a:rPr>
-              <a:t>Algorithms</a:t>
+              <a:t>Consensus Algorithms</a:t>
             </a:r>
           </a:p>
           <a:p>
@@ -4550,17 +4540,7 @@
                   </a:schemeClr>
                 </a:solidFill>
               </a:rPr>
-              <a:t>Proof of </a:t>
-            </a:r>
-            <a:r>
-              <a:rPr lang="en-GB" b="1" dirty="0" smtClean="0">
-                <a:solidFill>
-                  <a:schemeClr val="accent1">
-                    <a:lumMod val="50000"/>
-                  </a:schemeClr>
-                </a:solidFill>
-              </a:rPr>
-              <a:t>Stake</a:t>
+              <a:t>Proof of Stake</a:t>
             </a:r>
             <a:endParaRPr lang="bg-BG" b="1" dirty="0" smtClean="0">
               <a:solidFill>
@@ -4603,17 +4583,7 @@
                   </a:schemeClr>
                 </a:solidFill>
               </a:rPr>
-              <a:t>solves th</a:t>
-            </a:r>
-            <a:r>
-              <a:rPr lang="en-GB" dirty="0" smtClean="0">
-                <a:solidFill>
-                  <a:schemeClr val="accent1">
-                    <a:lumMod val="50000"/>
-                  </a:schemeClr>
-                </a:solidFill>
-              </a:rPr>
-              <a:t>e puzzle and gets a reward as a </a:t>
+              <a:t>solves the puzzle and gets a reward as a </a:t>
             </a:r>
             <a:r>
               <a:rPr lang="en-GB" b="1" dirty="0" smtClean="0">
@@ -4625,13 +4595,6 @@
               </a:rPr>
               <a:t>fee</a:t>
             </a:r>
-            <a:endParaRPr lang="en-GB" b="1" dirty="0" smtClean="0">
-              <a:solidFill>
-                <a:schemeClr val="accent1">
-                  <a:lumMod val="50000"/>
-                </a:schemeClr>
-              </a:solidFill>
-            </a:endParaRPr>
           </a:p>
           <a:p>
             <a:pPr>
@@ -4646,17 +4609,7 @@
                   </a:schemeClr>
                 </a:solidFill>
               </a:rPr>
-              <a:t>Proof of </a:t>
-            </a:r>
-            <a:r>
-              <a:rPr lang="en-GB" b="1" dirty="0" smtClean="0">
-                <a:solidFill>
-                  <a:schemeClr val="accent1">
-                    <a:lumMod val="50000"/>
-                  </a:schemeClr>
-                </a:solidFill>
-              </a:rPr>
-              <a:t>Work</a:t>
+              <a:t>Proof of Work</a:t>
             </a:r>
           </a:p>
           <a:p>
@@ -5244,17 +5197,7 @@
                   </a:schemeClr>
                 </a:solidFill>
               </a:rPr>
-              <a:t>What is a Consensus </a:t>
-            </a:r>
-            <a:r>
-              <a:rPr lang="en-GB" sz="3200" dirty="0" smtClean="0">
-                <a:solidFill>
-                  <a:schemeClr val="accent1">
-                    <a:lumMod val="50000"/>
-                  </a:schemeClr>
-                </a:solidFill>
-              </a:rPr>
-              <a:t>Algorithm?</a:t>
+              <a:t>What is a Consensus Algorithm?</a:t>
             </a:r>
           </a:p>
           <a:p>
@@ -5282,13 +5225,6 @@
               </a:rPr>
               <a:t>)</a:t>
             </a:r>
-            <a:endParaRPr lang="en-GB" sz="3200" dirty="0" smtClean="0">
-              <a:solidFill>
-                <a:schemeClr val="accent1">
-                  <a:lumMod val="50000"/>
-                </a:schemeClr>
-              </a:solidFill>
-            </a:endParaRPr>
           </a:p>
           <a:p>
             <a:pPr marL="457200" indent="-457200">
@@ -5303,25 +5239,8 @@
                   </a:schemeClr>
                 </a:solidFill>
               </a:rPr>
-              <a:t>Proof of Stake (PoS</a:t>
-            </a:r>
-            <a:r>
-              <a:rPr lang="en-GB" sz="3200" dirty="0" smtClean="0">
-                <a:solidFill>
-                  <a:schemeClr val="accent1">
-                    <a:lumMod val="50000"/>
-                  </a:schemeClr>
-                </a:solidFill>
-              </a:rPr>
-              <a:t>)</a:t>
-            </a:r>
-            <a:endParaRPr lang="en-GB" sz="3200" dirty="0" smtClean="0">
-              <a:solidFill>
-                <a:schemeClr val="accent1">
-                  <a:lumMod val="50000"/>
-                </a:schemeClr>
-              </a:solidFill>
-            </a:endParaRPr>
+              <a:t>Proof of Stake (PoS)</a:t>
+            </a:r>
           </a:p>
         </p:txBody>
       </p:sp>
@@ -7038,13 +6957,6 @@
               </a:rPr>
               <a:t>the blockchain</a:t>
             </a:r>
-            <a:endParaRPr lang="en-GB" b="1" dirty="0">
-              <a:solidFill>
-                <a:schemeClr val="accent1">
-                  <a:lumMod val="50000"/>
-                </a:schemeClr>
-              </a:solidFill>
-            </a:endParaRPr>
           </a:p>
         </p:txBody>
       </p:sp>
@@ -7526,6 +7438,41 @@
                                   </p:childTnLst>
                                 </p:cTn>
                               </p:par>
+                              <p:par>
+                                <p:cTn id="11" presetID="10" presetClass="entr" presetSubtype="0" fill="hold" grpId="0" nodeType="withEffect">
+                                  <p:stCondLst>
+                                    <p:cond delay="0"/>
+                                  </p:stCondLst>
+                                  <p:childTnLst>
+                                    <p:set>
+                                      <p:cBhvr>
+                                        <p:cTn id="12" dur="1" fill="hold">
+                                          <p:stCondLst>
+                                            <p:cond delay="0"/>
+                                          </p:stCondLst>
+                                        </p:cTn>
+                                        <p:tgtEl>
+                                          <p:spTgt spid="13"/>
+                                        </p:tgtEl>
+                                        <p:attrNameLst>
+                                          <p:attrName>style.visibility</p:attrName>
+                                        </p:attrNameLst>
+                                      </p:cBhvr>
+                                      <p:to>
+                                        <p:strVal val="visible"/>
+                                      </p:to>
+                                    </p:set>
+                                    <p:animEffect transition="in" filter="fade">
+                                      <p:cBhvr>
+                                        <p:cTn id="13" dur="500"/>
+                                        <p:tgtEl>
+                                          <p:spTgt spid="13"/>
+                                        </p:tgtEl>
+                                      </p:cBhvr>
+                                    </p:animEffect>
+                                  </p:childTnLst>
+                                </p:cTn>
+                              </p:par>
                             </p:childTnLst>
                           </p:cTn>
                         </p:par>
@@ -7533,26 +7480,26 @@
                     </p:cTn>
                   </p:par>
                   <p:par>
-                    <p:cTn id="11" fill="hold">
+                    <p:cTn id="14" fill="hold">
                       <p:stCondLst>
                         <p:cond delay="indefinite"/>
                       </p:stCondLst>
                       <p:childTnLst>
                         <p:par>
-                          <p:cTn id="12" fill="hold">
+                          <p:cTn id="15" fill="hold">
                             <p:stCondLst>
                               <p:cond delay="0"/>
                             </p:stCondLst>
                             <p:childTnLst>
                               <p:par>
-                                <p:cTn id="13" presetID="1" presetClass="entr" presetSubtype="0" fill="hold" nodeType="clickEffect">
+                                <p:cTn id="16" presetID="1" presetClass="entr" presetSubtype="0" fill="hold" nodeType="clickEffect">
                                   <p:stCondLst>
                                     <p:cond delay="0"/>
                                   </p:stCondLst>
                                   <p:childTnLst>
                                     <p:set>
                                       <p:cBhvr>
-                                        <p:cTn id="14" dur="1" fill="hold">
+                                        <p:cTn id="17" dur="1" fill="hold">
                                           <p:stCondLst>
                                             <p:cond delay="0"/>
                                           </p:stCondLst>
@@ -7576,20 +7523,20 @@
                                 </p:cTn>
                               </p:par>
                               <p:par>
-                                <p:cTn id="15" presetID="10" presetClass="entr" presetSubtype="0" fill="hold" grpId="0" nodeType="withEffect">
+                                <p:cTn id="18" presetID="10" presetClass="entr" presetSubtype="0" fill="hold" grpId="0" nodeType="withEffect">
                                   <p:stCondLst>
                                     <p:cond delay="0"/>
                                   </p:stCondLst>
                                   <p:childTnLst>
                                     <p:set>
                                       <p:cBhvr>
-                                        <p:cTn id="16" dur="1" fill="hold">
+                                        <p:cTn id="19" dur="1" fill="hold">
                                           <p:stCondLst>
                                             <p:cond delay="0"/>
                                           </p:stCondLst>
                                         </p:cTn>
                                         <p:tgtEl>
-                                          <p:spTgt spid="13"/>
+                                          <p:spTgt spid="14"/>
                                         </p:tgtEl>
                                         <p:attrNameLst>
                                           <p:attrName>style.visibility</p:attrName>
@@ -7601,9 +7548,9 @@
                                     </p:set>
                                     <p:animEffect transition="in" filter="fade">
                                       <p:cBhvr>
-                                        <p:cTn id="17" dur="500"/>
+                                        <p:cTn id="20" dur="500"/>
                                         <p:tgtEl>
-                                          <p:spTgt spid="13"/>
+                                          <p:spTgt spid="14"/>
                                         </p:tgtEl>
                                       </p:cBhvr>
                                     </p:animEffect>
@@ -7611,14 +7558,14 @@
                                 </p:cTn>
                               </p:par>
                               <p:par>
-                                <p:cTn id="18" presetID="10" presetClass="entr" presetSubtype="0" fill="hold" nodeType="withEffect">
+                                <p:cTn id="21" presetID="10" presetClass="entr" presetSubtype="0" fill="hold" nodeType="withEffect">
                                   <p:stCondLst>
                                     <p:cond delay="0"/>
                                   </p:stCondLst>
                                   <p:childTnLst>
                                     <p:set>
                                       <p:cBhvr>
-                                        <p:cTn id="19" dur="1" fill="hold">
+                                        <p:cTn id="22" dur="1" fill="hold">
                                           <p:stCondLst>
                                             <p:cond delay="0"/>
                                           </p:stCondLst>
@@ -7636,7 +7583,7 @@
                                     </p:set>
                                     <p:animEffect transition="in" filter="fade">
                                       <p:cBhvr>
-                                        <p:cTn id="20" dur="500"/>
+                                        <p:cTn id="23" dur="500"/>
                                         <p:tgtEl>
                                           <p:spTgt spid="6"/>
                                         </p:tgtEl>
@@ -7652,79 +7599,26 @@
                     </p:cTn>
                   </p:par>
                   <p:par>
-                    <p:cTn id="21" fill="hold">
+                    <p:cTn id="24" fill="hold">
                       <p:stCondLst>
                         <p:cond delay="indefinite"/>
                       </p:stCondLst>
                       <p:childTnLst>
                         <p:par>
-                          <p:cTn id="22" fill="hold">
+                          <p:cTn id="25" fill="hold">
                             <p:stCondLst>
                               <p:cond delay="0"/>
                             </p:stCondLst>
                             <p:childTnLst>
                               <p:par>
-                                <p:cTn id="23" presetID="10" presetClass="entr" presetSubtype="0" fill="hold" grpId="0" nodeType="clickEffect">
+                                <p:cTn id="26" presetID="10" presetClass="entr" presetSubtype="0" fill="hold" nodeType="clickEffect">
                                   <p:stCondLst>
                                     <p:cond delay="0"/>
                                   </p:stCondLst>
                                   <p:childTnLst>
                                     <p:set>
                                       <p:cBhvr>
-                                        <p:cTn id="24" dur="1" fill="hold">
-                                          <p:stCondLst>
-                                            <p:cond delay="0"/>
-                                          </p:stCondLst>
-                                        </p:cTn>
-                                        <p:tgtEl>
-                                          <p:spTgt spid="14"/>
-                                        </p:tgtEl>
-                                        <p:attrNameLst>
-                                          <p:attrName>style.visibility</p:attrName>
-                                        </p:attrNameLst>
-                                      </p:cBhvr>
-                                      <p:to>
-                                        <p:strVal val="visible"/>
-                                      </p:to>
-                                    </p:set>
-                                    <p:animEffect transition="in" filter="fade">
-                                      <p:cBhvr>
-                                        <p:cTn id="25" dur="500"/>
-                                        <p:tgtEl>
-                                          <p:spTgt spid="14"/>
-                                        </p:tgtEl>
-                                      </p:cBhvr>
-                                    </p:animEffect>
-                                  </p:childTnLst>
-                                </p:cTn>
-                              </p:par>
-                            </p:childTnLst>
-                          </p:cTn>
-                        </p:par>
-                      </p:childTnLst>
-                    </p:cTn>
-                  </p:par>
-                  <p:par>
-                    <p:cTn id="26" fill="hold">
-                      <p:stCondLst>
-                        <p:cond delay="indefinite"/>
-                      </p:stCondLst>
-                      <p:childTnLst>
-                        <p:par>
-                          <p:cTn id="27" fill="hold">
-                            <p:stCondLst>
-                              <p:cond delay="0"/>
-                            </p:stCondLst>
-                            <p:childTnLst>
-                              <p:par>
-                                <p:cTn id="28" presetID="10" presetClass="entr" presetSubtype="0" fill="hold" nodeType="clickEffect">
-                                  <p:stCondLst>
-                                    <p:cond delay="0"/>
-                                  </p:stCondLst>
-                                  <p:childTnLst>
-                                    <p:set>
-                                      <p:cBhvr>
-                                        <p:cTn id="29" dur="1" fill="hold">
+                                        <p:cTn id="27" dur="1" fill="hold">
                                           <p:stCondLst>
                                             <p:cond delay="0"/>
                                           </p:stCondLst>
@@ -7746,7 +7640,7 @@
                                     </p:set>
                                     <p:animEffect transition="in" filter="fade">
                                       <p:cBhvr>
-                                        <p:cTn id="30" dur="500"/>
+                                        <p:cTn id="28" dur="500"/>
                                         <p:tgtEl>
                                           <p:spTgt spid="3">
                                             <p:txEl>
@@ -7760,14 +7654,14 @@
                                 </p:cTn>
                               </p:par>
                               <p:par>
-                                <p:cTn id="31" presetID="10" presetClass="entr" presetSubtype="0" fill="hold" nodeType="withEffect">
+                                <p:cTn id="29" presetID="10" presetClass="entr" presetSubtype="0" fill="hold" nodeType="withEffect">
                                   <p:stCondLst>
                                     <p:cond delay="0"/>
                                   </p:stCondLst>
                                   <p:childTnLst>
                                     <p:set>
                                       <p:cBhvr>
-                                        <p:cTn id="32" dur="1" fill="hold">
+                                        <p:cTn id="30" dur="1" fill="hold">
                                           <p:stCondLst>
                                             <p:cond delay="0"/>
                                           </p:stCondLst>
@@ -7785,7 +7679,7 @@
                                     </p:set>
                                     <p:animEffect transition="in" filter="fade">
                                       <p:cBhvr>
-                                        <p:cTn id="33" dur="500"/>
+                                        <p:cTn id="31" dur="500"/>
                                         <p:tgtEl>
                                           <p:spTgt spid="20"/>
                                         </p:tgtEl>
@@ -7795,14 +7689,14 @@
                                 </p:cTn>
                               </p:par>
                               <p:par>
-                                <p:cTn id="34" presetID="10" presetClass="entr" presetSubtype="0" fill="hold" nodeType="withEffect">
+                                <p:cTn id="32" presetID="10" presetClass="entr" presetSubtype="0" fill="hold" nodeType="withEffect">
                                   <p:stCondLst>
                                     <p:cond delay="0"/>
                                   </p:stCondLst>
                                   <p:childTnLst>
                                     <p:set>
                                       <p:cBhvr>
-                                        <p:cTn id="35" dur="1" fill="hold">
+                                        <p:cTn id="33" dur="1" fill="hold">
                                           <p:stCondLst>
                                             <p:cond delay="0"/>
                                           </p:stCondLst>
@@ -7820,7 +7714,7 @@
                                     </p:set>
                                     <p:animEffect transition="in" filter="fade">
                                       <p:cBhvr>
-                                        <p:cTn id="36" dur="500"/>
+                                        <p:cTn id="34" dur="500"/>
                                         <p:tgtEl>
                                           <p:spTgt spid="19"/>
                                         </p:tgtEl>
@@ -7830,14 +7724,14 @@
                                 </p:cTn>
                               </p:par>
                               <p:par>
-                                <p:cTn id="37" presetID="10" presetClass="entr" presetSubtype="0" fill="hold" grpId="0" nodeType="withEffect">
+                                <p:cTn id="35" presetID="10" presetClass="entr" presetSubtype="0" fill="hold" grpId="0" nodeType="withEffect">
                                   <p:stCondLst>
                                     <p:cond delay="0"/>
                                   </p:stCondLst>
                                   <p:childTnLst>
                                     <p:set>
                                       <p:cBhvr>
-                                        <p:cTn id="38" dur="1" fill="hold">
+                                        <p:cTn id="36" dur="1" fill="hold">
                                           <p:stCondLst>
                                             <p:cond delay="0"/>
                                           </p:stCondLst>
@@ -7855,7 +7749,7 @@
                                     </p:set>
                                     <p:animEffect transition="in" filter="fade">
                                       <p:cBhvr>
-                                        <p:cTn id="39" dur="500"/>
+                                        <p:cTn id="37" dur="500"/>
                                         <p:tgtEl>
                                           <p:spTgt spid="15"/>
                                         </p:tgtEl>
@@ -7865,14 +7759,14 @@
                                 </p:cTn>
                               </p:par>
                               <p:par>
-                                <p:cTn id="40" presetID="10" presetClass="entr" presetSubtype="0" fill="hold" nodeType="withEffect">
+                                <p:cTn id="38" presetID="10" presetClass="entr" presetSubtype="0" fill="hold" nodeType="withEffect">
                                   <p:stCondLst>
                                     <p:cond delay="0"/>
                                   </p:stCondLst>
                                   <p:childTnLst>
                                     <p:set>
                                       <p:cBhvr>
-                                        <p:cTn id="41" dur="1" fill="hold">
+                                        <p:cTn id="39" dur="1" fill="hold">
                                           <p:stCondLst>
                                             <p:cond delay="0"/>
                                           </p:stCondLst>
@@ -7890,7 +7784,7 @@
                                     </p:set>
                                     <p:animEffect transition="in" filter="fade">
                                       <p:cBhvr>
-                                        <p:cTn id="42" dur="500"/>
+                                        <p:cTn id="40" dur="500"/>
                                         <p:tgtEl>
                                           <p:spTgt spid="18"/>
                                         </p:tgtEl>
@@ -7900,14 +7794,14 @@
                                 </p:cTn>
                               </p:par>
                               <p:par>
-                                <p:cTn id="43" presetID="10" presetClass="entr" presetSubtype="0" fill="hold" grpId="0" nodeType="withEffect">
+                                <p:cTn id="41" presetID="10" presetClass="entr" presetSubtype="0" fill="hold" grpId="0" nodeType="withEffect">
                                   <p:stCondLst>
                                     <p:cond delay="0"/>
                                   </p:stCondLst>
                                   <p:childTnLst>
                                     <p:set>
                                       <p:cBhvr>
-                                        <p:cTn id="44" dur="1" fill="hold">
+                                        <p:cTn id="42" dur="1" fill="hold">
                                           <p:stCondLst>
                                             <p:cond delay="0"/>
                                           </p:stCondLst>
@@ -7925,7 +7819,7 @@
                                     </p:set>
                                     <p:animEffect transition="in" filter="fade">
                                       <p:cBhvr>
-                                        <p:cTn id="45" dur="500"/>
+                                        <p:cTn id="43" dur="500"/>
                                         <p:tgtEl>
                                           <p:spTgt spid="16"/>
                                         </p:tgtEl>
@@ -7941,26 +7835,26 @@
                     </p:cTn>
                   </p:par>
                   <p:par>
-                    <p:cTn id="46" fill="hold">
+                    <p:cTn id="44" fill="hold">
                       <p:stCondLst>
                         <p:cond delay="indefinite"/>
                       </p:stCondLst>
                       <p:childTnLst>
                         <p:par>
-                          <p:cTn id="47" fill="hold">
+                          <p:cTn id="45" fill="hold">
                             <p:stCondLst>
                               <p:cond delay="0"/>
                             </p:stCondLst>
                             <p:childTnLst>
                               <p:par>
-                                <p:cTn id="48" presetID="10" presetClass="entr" presetSubtype="0" fill="hold" nodeType="clickEffect">
+                                <p:cTn id="46" presetID="10" presetClass="entr" presetSubtype="0" fill="hold" nodeType="clickEffect">
                                   <p:stCondLst>
                                     <p:cond delay="0"/>
                                   </p:stCondLst>
                                   <p:childTnLst>
                                     <p:set>
                                       <p:cBhvr>
-                                        <p:cTn id="49" dur="1" fill="hold">
+                                        <p:cTn id="47" dur="1" fill="hold">
                                           <p:stCondLst>
                                             <p:cond delay="0"/>
                                           </p:stCondLst>
@@ -7982,7 +7876,7 @@
                                     </p:set>
                                     <p:animEffect transition="in" filter="fade">
                                       <p:cBhvr>
-                                        <p:cTn id="50" dur="500"/>
+                                        <p:cTn id="48" dur="500"/>
                                         <p:tgtEl>
                                           <p:spTgt spid="3">
                                             <p:txEl>
@@ -8002,26 +7896,26 @@
                     </p:cTn>
                   </p:par>
                   <p:par>
-                    <p:cTn id="51" fill="hold">
+                    <p:cTn id="49" fill="hold">
                       <p:stCondLst>
                         <p:cond delay="indefinite"/>
                       </p:stCondLst>
                       <p:childTnLst>
                         <p:par>
-                          <p:cTn id="52" fill="hold">
+                          <p:cTn id="50" fill="hold">
                             <p:stCondLst>
                               <p:cond delay="0"/>
                             </p:stCondLst>
                             <p:childTnLst>
                               <p:par>
-                                <p:cTn id="53" presetID="10" presetClass="entr" presetSubtype="0" fill="hold" nodeType="clickEffect">
+                                <p:cTn id="51" presetID="10" presetClass="entr" presetSubtype="0" fill="hold" nodeType="clickEffect">
                                   <p:stCondLst>
                                     <p:cond delay="0"/>
                                   </p:stCondLst>
                                   <p:childTnLst>
                                     <p:set>
                                       <p:cBhvr>
-                                        <p:cTn id="54" dur="1" fill="hold">
+                                        <p:cTn id="52" dur="1" fill="hold">
                                           <p:stCondLst>
                                             <p:cond delay="0"/>
                                           </p:stCondLst>
@@ -8043,7 +7937,7 @@
                                     </p:set>
                                     <p:animEffect transition="in" filter="fade">
                                       <p:cBhvr>
-                                        <p:cTn id="55" dur="500"/>
+                                        <p:cTn id="53" dur="500"/>
                                         <p:tgtEl>
                                           <p:spTgt spid="3">
                                             <p:txEl>
@@ -8057,14 +7951,14 @@
                                 </p:cTn>
                               </p:par>
                               <p:par>
-                                <p:cTn id="56" presetID="10" presetClass="entr" presetSubtype="0" fill="hold" nodeType="withEffect">
+                                <p:cTn id="54" presetID="10" presetClass="entr" presetSubtype="0" fill="hold" nodeType="withEffect">
                                   <p:stCondLst>
                                     <p:cond delay="0"/>
                                   </p:stCondLst>
                                   <p:childTnLst>
                                     <p:set>
                                       <p:cBhvr>
-                                        <p:cTn id="57" dur="1" fill="hold">
+                                        <p:cTn id="55" dur="1" fill="hold">
                                           <p:stCondLst>
                                             <p:cond delay="0"/>
                                           </p:stCondLst>
@@ -8082,7 +7976,7 @@
                                     </p:set>
                                     <p:animEffect transition="in" filter="fade">
                                       <p:cBhvr>
-                                        <p:cTn id="58" dur="500"/>
+                                        <p:cTn id="56" dur="500"/>
                                         <p:tgtEl>
                                           <p:spTgt spid="12"/>
                                         </p:tgtEl>
@@ -8092,14 +7986,14 @@
                                 </p:cTn>
                               </p:par>
                               <p:par>
-                                <p:cTn id="59" presetID="10" presetClass="entr" presetSubtype="0" fill="hold" nodeType="withEffect">
+                                <p:cTn id="57" presetID="10" presetClass="entr" presetSubtype="0" fill="hold" nodeType="withEffect">
                                   <p:stCondLst>
                                     <p:cond delay="0"/>
                                   </p:stCondLst>
                                   <p:childTnLst>
                                     <p:set>
                                       <p:cBhvr>
-                                        <p:cTn id="60" dur="1" fill="hold">
+                                        <p:cTn id="58" dur="1" fill="hold">
                                           <p:stCondLst>
                                             <p:cond delay="0"/>
                                           </p:stCondLst>
@@ -8117,7 +8011,7 @@
                                     </p:set>
                                     <p:animEffect transition="in" filter="fade">
                                       <p:cBhvr>
-                                        <p:cTn id="61" dur="500"/>
+                                        <p:cTn id="59" dur="500"/>
                                         <p:tgtEl>
                                           <p:spTgt spid="10"/>
                                         </p:tgtEl>
